--- a/SE489/Lectures/1-DevOps Overview/Cloud Computing.pptx
+++ b/SE489/Lectures/1-DevOps Overview/Cloud Computing.pptx
@@ -240,7 +240,7 @@
           <a:p>
             <a:fld id="{41DA9887-9249-49FD-809A-BACB264048C3}" type="datetimeFigureOut">
               <a:rPr lang="en-US" smtClean="0"/>
-              <a:t>11/29/2022</a:t>
+              <a:t>1/17/2023</a:t>
             </a:fld>
             <a:endParaRPr lang="en-US"/>
           </a:p>
@@ -642,7 +642,7 @@
           <a:p>
             <a:fld id="{9EC4D037-51CD-4014-8E96-1ABBDED7F93C}" type="datetime1">
               <a:rPr lang="en-US" smtClean="0"/>
-              <a:t>11/29/2022</a:t>
+              <a:t>1/17/2023</a:t>
             </a:fld>
             <a:endParaRPr lang="en-US"/>
           </a:p>
@@ -932,7 +932,7 @@
           <a:p>
             <a:fld id="{84F204FD-CDDA-4B36-9FDC-EF6DD830AE4F}" type="datetime1">
               <a:rPr lang="en-US" smtClean="0"/>
-              <a:t>11/29/2022</a:t>
+              <a:t>1/17/2023</a:t>
             </a:fld>
             <a:endParaRPr lang="en-US"/>
           </a:p>
@@ -1110,7 +1110,7 @@
           <a:p>
             <a:fld id="{FDF061AD-3811-436D-BBA8-132BF751594D}" type="datetime1">
               <a:rPr lang="en-US" smtClean="0"/>
-              <a:t>11/29/2022</a:t>
+              <a:t>1/17/2023</a:t>
             </a:fld>
             <a:endParaRPr lang="en-US"/>
           </a:p>
@@ -1364,7 +1364,7 @@
           <a:p>
             <a:fld id="{18DF7E5C-1161-47A1-8AC6-18945B9BEBA0}" type="datetime1">
               <a:rPr lang="en-US" smtClean="0"/>
-              <a:t>11/29/2022</a:t>
+              <a:t>1/17/2023</a:t>
             </a:fld>
             <a:endParaRPr lang="en-US"/>
           </a:p>
@@ -1708,7 +1708,7 @@
           <a:p>
             <a:fld id="{CD86E040-F4E6-4A4D-B802-0005D490FDAB}" type="datetime1">
               <a:rPr lang="en-US" smtClean="0"/>
-              <a:t>11/29/2022</a:t>
+              <a:t>1/17/2023</a:t>
             </a:fld>
             <a:endParaRPr lang="en-US"/>
           </a:p>
@@ -1937,7 +1937,7 @@
           <a:p>
             <a:fld id="{50368994-1DCB-4CDE-BE7E-59EE4EA88F30}" type="datetime1">
               <a:rPr lang="en-US" smtClean="0"/>
-              <a:t>11/29/2022</a:t>
+              <a:t>1/17/2023</a:t>
             </a:fld>
             <a:endParaRPr lang="en-US"/>
           </a:p>
@@ -2301,7 +2301,7 @@
           <a:p>
             <a:fld id="{A08FB147-8385-4AF2-9AB4-387963C8D459}" type="datetime1">
               <a:rPr lang="en-US" smtClean="0"/>
-              <a:t>11/29/2022</a:t>
+              <a:t>1/17/2023</a:t>
             </a:fld>
             <a:endParaRPr lang="en-US"/>
           </a:p>
@@ -2396,7 +2396,7 @@
           <a:p>
             <a:fld id="{1DCFBB0D-F33D-4BBF-8A2D-8B991F1B795F}" type="datetime1">
               <a:rPr lang="en-US" smtClean="0"/>
-              <a:t>11/29/2022</a:t>
+              <a:t>1/17/2023</a:t>
             </a:fld>
             <a:endParaRPr lang="en-US"/>
           </a:p>
@@ -2618,7 +2618,7 @@
             <a:fld id="{B2F5E2FA-C428-4CE7-95B0-168D3259A5BB}" type="datetimeFigureOut">
               <a:rPr lang="en-US" smtClean="0"/>
               <a:pPr/>
-              <a:t>11/29/2022</a:t>
+              <a:t>1/17/2023</a:t>
             </a:fld>
             <a:endParaRPr lang="en-US"/>
           </a:p>
@@ -2789,7 +2789,7 @@
           <a:p>
             <a:fld id="{086048CB-3718-4552-A25B-7813FDCD6027}" type="datetime1">
               <a:rPr lang="en-US" smtClean="0"/>
-              <a:t>11/29/2022</a:t>
+              <a:t>1/17/2023</a:t>
             </a:fld>
             <a:endParaRPr lang="en-US"/>
           </a:p>
@@ -3064,7 +3064,7 @@
           <a:p>
             <a:fld id="{0B94DF85-EBCC-4A6E-AD4E-084D7C635BAB}" type="datetime1">
               <a:rPr lang="en-US" smtClean="0"/>
-              <a:t>11/29/2022</a:t>
+              <a:t>1/17/2023</a:t>
             </a:fld>
             <a:endParaRPr lang="en-US"/>
           </a:p>
@@ -3316,7 +3316,7 @@
           <a:p>
             <a:fld id="{41321324-37F2-431E-AA35-CD42361AB766}" type="datetime1">
               <a:rPr lang="en-US" smtClean="0"/>
-              <a:t>11/29/2022</a:t>
+              <a:t>1/17/2023</a:t>
             </a:fld>
             <a:endParaRPr lang="en-US"/>
           </a:p>
@@ -3527,7 +3527,7 @@
           <a:p>
             <a:fld id="{FADB1E27-132B-4866-A24A-A3AD0C1B3520}" type="datetime1">
               <a:rPr lang="en-US" smtClean="0"/>
-              <a:t>11/29/2022</a:t>
+              <a:t>1/17/2023</a:t>
             </a:fld>
             <a:endParaRPr lang="en-US"/>
           </a:p>
@@ -3952,7 +3952,6 @@
               <a:rPr lang="en-US" dirty="0"/>
               <a:t>Cloud Computing</a:t>
             </a:r>
-            <a:endParaRPr lang="en-US" dirty="0"/>
           </a:p>
         </p:txBody>
       </p:sp>
@@ -17921,7 +17920,7 @@
               </a:rPr>
               <a:t>….</a:t>
             </a:r>
-            <a:endParaRPr sz="4800">
+            <a:endParaRPr sz="4800" dirty="0">
               <a:latin typeface="Times New Roman"/>
               <a:cs typeface="Times New Roman"/>
             </a:endParaRPr>
@@ -18506,7 +18505,7 @@
                         </a:rPr>
                         <a:t>2</a:t>
                       </a:r>
-                      <a:endParaRPr sz="1800">
+                      <a:endParaRPr sz="1800" dirty="0">
                         <a:latin typeface="Times New Roman"/>
                         <a:cs typeface="Times New Roman"/>
                       </a:endParaRPr>
@@ -18517,7 +18516,7 @@
                           <a:spcPct val="100000"/>
                         </a:lnSpc>
                       </a:pPr>
-                      <a:endParaRPr sz="2000">
+                      <a:endParaRPr sz="2000" dirty="0">
                         <a:latin typeface="Times New Roman"/>
                         <a:cs typeface="Times New Roman"/>
                       </a:endParaRPr>
@@ -18531,7 +18530,7 @@
                           <a:spcPts val="40"/>
                         </a:spcBef>
                       </a:pPr>
-                      <a:endParaRPr sz="2000">
+                      <a:endParaRPr sz="2000" dirty="0">
                         <a:latin typeface="Times New Roman"/>
                         <a:cs typeface="Times New Roman"/>
                       </a:endParaRPr>
@@ -18572,7 +18571,7 @@
                         </a:rPr>
                         <a:t>n</a:t>
                       </a:r>
-                      <a:endParaRPr sz="1800">
+                      <a:endParaRPr sz="1800" dirty="0">
                         <a:latin typeface="Times New Roman"/>
                         <a:cs typeface="Times New Roman"/>
                       </a:endParaRPr>
@@ -18596,7 +18595,7 @@
                         </a:rPr>
                         <a:t>VMs</a:t>
                       </a:r>
-                      <a:endParaRPr sz="1800">
+                      <a:endParaRPr sz="1800" dirty="0">
                         <a:latin typeface="Calibri"/>
                         <a:cs typeface="Calibri"/>
                       </a:endParaRPr>
@@ -19343,7 +19342,7 @@
                         </a:rPr>
                         <a:t>Physical</a:t>
                       </a:r>
-                      <a:endParaRPr sz="1800">
+                      <a:endParaRPr sz="1800" dirty="0">
                         <a:latin typeface="Times New Roman"/>
                         <a:cs typeface="Times New Roman"/>
                       </a:endParaRPr>
@@ -19364,7 +19363,7 @@
                         </a:rPr>
                         <a:t>Infrastructure</a:t>
                       </a:r>
-                      <a:endParaRPr sz="1800">
+                      <a:endParaRPr sz="1800" dirty="0">
                         <a:latin typeface="Times New Roman"/>
                         <a:cs typeface="Times New Roman"/>
                       </a:endParaRPr>
@@ -19868,90 +19867,6 @@
           <a:lstStyle/>
           <a:p>
             <a:endParaRPr/>
-          </a:p>
-        </p:txBody>
-      </p:sp>
-      <p:sp>
-        <p:nvSpPr>
-          <p:cNvPr id="37" name="object 37"/>
-          <p:cNvSpPr txBox="1"/>
-          <p:nvPr/>
-        </p:nvSpPr>
-        <p:spPr>
-          <a:xfrm>
-            <a:off x="7944043" y="2157806"/>
-            <a:ext cx="1071245" cy="649605"/>
-          </a:xfrm>
-          <a:prstGeom prst="rect">
-            <a:avLst/>
-          </a:prstGeom>
-        </p:spPr>
-        <p:txBody>
-          <a:bodyPr vert="vert270" wrap="square" lIns="0" tIns="0" rIns="0" bIns="0" rtlCol="0">
-            <a:spAutoFit/>
-          </a:bodyPr>
-          <a:lstStyle/>
-          <a:p>
-            <a:pPr marL="79375">
-              <a:lnSpc>
-                <a:spcPts val="5340"/>
-              </a:lnSpc>
-            </a:pPr>
-            <a:r>
-              <a:rPr sz="4800" b="1" spc="-5" dirty="0">
-                <a:latin typeface="Times New Roman"/>
-                <a:cs typeface="Times New Roman"/>
-              </a:rPr>
-              <a:t>.</a:t>
-            </a:r>
-            <a:endParaRPr sz="4800">
-              <a:latin typeface="Times New Roman"/>
-              <a:cs typeface="Times New Roman"/>
-            </a:endParaRPr>
-          </a:p>
-          <a:p>
-            <a:pPr marL="12700">
-              <a:lnSpc>
-                <a:spcPct val="100000"/>
-              </a:lnSpc>
-              <a:spcBef>
-                <a:spcPts val="800"/>
-              </a:spcBef>
-            </a:pPr>
-            <a:r>
-              <a:rPr sz="1800" spc="-5" dirty="0">
-                <a:solidFill>
-                  <a:srgbClr val="FFFFFF"/>
-                </a:solidFill>
-                <a:latin typeface="Times New Roman"/>
-                <a:cs typeface="Times New Roman"/>
-              </a:rPr>
-              <a:t>App</a:t>
-            </a:r>
-            <a:r>
-              <a:rPr sz="1800" spc="380" dirty="0">
-                <a:solidFill>
-                  <a:srgbClr val="FFFFFF"/>
-                </a:solidFill>
-                <a:latin typeface="Times New Roman"/>
-                <a:cs typeface="Times New Roman"/>
-              </a:rPr>
-              <a:t> </a:t>
-            </a:r>
-            <a:r>
-              <a:rPr sz="1800" dirty="0">
-                <a:solidFill>
-                  <a:srgbClr val="FFFFFF"/>
-                </a:solidFill>
-                <a:latin typeface="Times New Roman"/>
-                <a:cs typeface="Times New Roman"/>
-              </a:rPr>
-              <a:t>n</a:t>
-            </a:r>
-            <a:endParaRPr sz="1800">
-              <a:latin typeface="Times New Roman"/>
-              <a:cs typeface="Times New Roman"/>
-            </a:endParaRPr>
           </a:p>
         </p:txBody>
       </p:sp>
@@ -20617,7 +20532,7 @@
               </a:rPr>
               <a:t>/</a:t>
             </a:r>
-            <a:endParaRPr sz="1800">
+            <a:endParaRPr sz="1800" dirty="0">
               <a:latin typeface="Times New Roman"/>
               <a:cs typeface="Times New Roman"/>
             </a:endParaRPr>
@@ -20638,7 +20553,7 @@
               </a:rPr>
               <a:t>Libs</a:t>
             </a:r>
-            <a:endParaRPr sz="1800">
+            <a:endParaRPr sz="1800" dirty="0">
               <a:latin typeface="Times New Roman"/>
               <a:cs typeface="Times New Roman"/>
             </a:endParaRPr>
@@ -20699,7 +20614,7 @@
               </a:rPr>
               <a:t>s Bins/</a:t>
             </a:r>
-            <a:endParaRPr sz="1800">
+            <a:endParaRPr sz="1800" dirty="0">
               <a:latin typeface="Times New Roman"/>
               <a:cs typeface="Times New Roman"/>
             </a:endParaRPr>
@@ -20713,7 +20628,7 @@
                 <a:spcPts val="40"/>
               </a:spcBef>
             </a:pPr>
-            <a:endParaRPr sz="1600">
+            <a:endParaRPr sz="1600" dirty="0">
               <a:latin typeface="Times New Roman"/>
               <a:cs typeface="Times New Roman"/>
             </a:endParaRPr>
@@ -20734,7 +20649,7 @@
               </a:rPr>
               <a:t>Bins/  Libs</a:t>
             </a:r>
-            <a:endParaRPr sz="1800">
+            <a:endParaRPr sz="1800" dirty="0">
               <a:latin typeface="Times New Roman"/>
               <a:cs typeface="Times New Roman"/>
             </a:endParaRPr>
@@ -21668,6 +21583,46 @@
           </a:p>
         </p:txBody>
       </p:sp>
+      <p:sp>
+        <p:nvSpPr>
+          <p:cNvPr id="58" name="object 16"/>
+          <p:cNvSpPr txBox="1"/>
+          <p:nvPr/>
+        </p:nvSpPr>
+        <p:spPr>
+          <a:xfrm>
+            <a:off x="7948143" y="2378009"/>
+            <a:ext cx="701040" cy="787400"/>
+          </a:xfrm>
+          <a:prstGeom prst="rect">
+            <a:avLst/>
+          </a:prstGeom>
+        </p:spPr>
+        <p:txBody>
+          <a:bodyPr vert="vert270" wrap="square" lIns="0" tIns="0" rIns="0" bIns="0" rtlCol="0">
+            <a:spAutoFit/>
+          </a:bodyPr>
+          <a:lstStyle/>
+          <a:p>
+            <a:pPr marL="12700">
+              <a:lnSpc>
+                <a:spcPts val="5335"/>
+              </a:lnSpc>
+            </a:pPr>
+            <a:r>
+              <a:rPr sz="4800" b="1" dirty="0">
+                <a:latin typeface="Times New Roman"/>
+                <a:cs typeface="Times New Roman"/>
+              </a:rPr>
+              <a:t>….</a:t>
+            </a:r>
+            <a:endParaRPr sz="4800" dirty="0">
+              <a:latin typeface="Times New Roman"/>
+              <a:cs typeface="Times New Roman"/>
+            </a:endParaRPr>
+          </a:p>
+        </p:txBody>
+      </p:sp>
     </p:spTree>
     <p:extLst>
       <p:ext uri="{BB962C8B-B14F-4D97-AF65-F5344CB8AC3E}">
@@ -21763,7 +21718,6 @@
               <a:rPr lang="en-US" dirty="0"/>
               <a:t>– the underlined technology</a:t>
             </a:r>
-            <a:endParaRPr lang="en-US" dirty="0"/>
           </a:p>
         </p:txBody>
       </p:sp>
@@ -21840,7 +21794,6 @@
               <a:rPr lang="en-US" dirty="0"/>
               <a:t>Cloud Computing</a:t>
             </a:r>
-            <a:endParaRPr lang="en-US" dirty="0"/>
           </a:p>
         </p:txBody>
       </p:sp>
